--- a/public/post/andkov/2020-06-24-visualizing-pandemic/featured-flag.pptx
+++ b/public/post/andkov/2020-06-24-visualizing-pandemic/featured-flag.pptx
@@ -7188,10 +7188,10 @@
         </p:nvGrpSpPr>
         <p:grpSpPr>
           <a:xfrm>
-            <a:off x="265624" y="679121"/>
-            <a:ext cx="6783951" cy="4018619"/>
-            <a:chOff x="1" y="106643"/>
-            <a:chExt cx="12185961" cy="6760415"/>
+            <a:off x="70444" y="681505"/>
+            <a:ext cx="6979131" cy="4016235"/>
+            <a:chOff x="-350600" y="110654"/>
+            <a:chExt cx="12536562" cy="6756404"/>
           </a:xfrm>
         </p:grpSpPr>
         <p:pic>
@@ -7473,8 +7473,8 @@
           </p:nvSpPr>
           <p:spPr>
             <a:xfrm>
-              <a:off x="130333" y="106643"/>
-              <a:ext cx="6095998" cy="2012952"/>
+              <a:off x="-350600" y="1439063"/>
+              <a:ext cx="6744738" cy="2174610"/>
             </a:xfrm>
             <a:prstGeom prst="rect">
               <a:avLst/>
@@ -7492,7 +7492,7 @@
             <a:lstStyle/>
             <a:p>
               <a:r>
-                <a:rPr lang="en-US" b="1" i="0" dirty="0">
+                <a:rPr lang="en-US" sz="2600" b="1" i="0" dirty="0">
                   <a:solidFill>
                     <a:srgbClr val="24292E"/>
                   </a:solidFill>
@@ -7502,7 +7502,7 @@
                 <a:t>Visualizing the Pandemic: Comparing </a:t>
               </a:r>
               <a:r>
-                <a:rPr lang="en-US" b="1" dirty="0">
+                <a:rPr lang="en-US" sz="2600" b="1" dirty="0">
                   <a:solidFill>
                     <a:srgbClr val="24292E"/>
                   </a:solidFill>
@@ -7511,7 +7511,7 @@
                 <a:t>T</a:t>
               </a:r>
               <a:r>
-                <a:rPr lang="en-US" b="1" i="0" dirty="0">
+                <a:rPr lang="en-US" sz="2600" b="1" i="0" dirty="0">
                   <a:solidFill>
                     <a:srgbClr val="24292E"/>
                   </a:solidFill>
@@ -7537,8 +7537,8 @@
           </p:nvSpPr>
           <p:spPr>
             <a:xfrm>
-              <a:off x="991658" y="2287492"/>
-              <a:ext cx="4178068" cy="1308418"/>
+              <a:off x="2437359" y="286452"/>
+              <a:ext cx="4178069" cy="1308418"/>
             </a:xfrm>
             <a:prstGeom prst="rect">
               <a:avLst/>
@@ -7579,6 +7579,42 @@
           </p:txBody>
         </p:sp>
       </p:grpSp>
+      <p:pic>
+        <p:nvPicPr>
+          <p:cNvPr id="3" name="Picture 2" descr="A close up of a keyboard&#10;&#10;Description automatically generated">
+            <a:extLst>
+              <a:ext uri="{FF2B5EF4-FFF2-40B4-BE49-F238E27FC236}">
+                <a16:creationId xmlns:a16="http://schemas.microsoft.com/office/drawing/2014/main" id="{271FC59A-BA7F-48DE-9FD0-64023150C5DC}"/>
+              </a:ext>
+            </a:extLst>
+          </p:cNvPr>
+          <p:cNvPicPr>
+            <a:picLocks noChangeAspect="1"/>
+          </p:cNvPicPr>
+          <p:nvPr/>
+        </p:nvPicPr>
+        <p:blipFill>
+          <a:blip r:embed="rId7">
+            <a:extLst>
+              <a:ext uri="{28A0092B-C50C-407E-A947-70E740481C1C}">
+                <a14:useLocalDpi xmlns:a14="http://schemas.microsoft.com/office/drawing/2010/main" val="0"/>
+              </a:ext>
+            </a:extLst>
+          </a:blip>
+          <a:stretch>
+            <a:fillRect/>
+          </a:stretch>
+        </p:blipFill>
+        <p:spPr>
+          <a:xfrm>
+            <a:off x="60419" y="647340"/>
+            <a:ext cx="1798552" cy="786867"/>
+          </a:xfrm>
+          <a:prstGeom prst="rect">
+            <a:avLst/>
+          </a:prstGeom>
+        </p:spPr>
+      </p:pic>
     </p:spTree>
     <p:extLst>
       <p:ext uri="{BB962C8B-B14F-4D97-AF65-F5344CB8AC3E}">
@@ -7854,21 +7890,21 @@
 </file>
 
 <file path=customXml/item1.xml><?xml version="1.0" encoding="utf-8"?>
+<p:properties xmlns:p="http://schemas.microsoft.com/office/2006/metadata/properties" xmlns:xsi="http://www.w3.org/2001/XMLSchema-instance" xmlns:pc="http://schemas.microsoft.com/office/infopath/2007/PartnerControls">
+  <documentManagement>
+    <_ip_UnifiedCompliancePolicyUIAction xmlns="http://schemas.microsoft.com/sharepoint/v3" xsi:nil="true"/>
+    <_ip_UnifiedCompliancePolicyProperties xmlns="http://schemas.microsoft.com/sharepoint/v3" xsi:nil="true"/>
+  </documentManagement>
+</p:properties>
+</file>
+
+<file path=customXml/item2.xml><?xml version="1.0" encoding="utf-8"?>
 <?mso-contentType ?>
 <FormTemplates xmlns="http://schemas.microsoft.com/sharepoint/v3/contenttype/forms">
   <Display>DocumentLibraryForm</Display>
   <Edit>DocumentLibraryForm</Edit>
   <New>DocumentLibraryForm</New>
 </FormTemplates>
-</file>
-
-<file path=customXml/item2.xml><?xml version="1.0" encoding="utf-8"?>
-<p:properties xmlns:p="http://schemas.microsoft.com/office/2006/metadata/properties" xmlns:xsi="http://www.w3.org/2001/XMLSchema-instance" xmlns:pc="http://schemas.microsoft.com/office/infopath/2007/PartnerControls">
-  <documentManagement>
-    <_ip_UnifiedCompliancePolicyUIAction xmlns="http://schemas.microsoft.com/sharepoint/v3" xsi:nil="true"/>
-    <_ip_UnifiedCompliancePolicyProperties xmlns="http://schemas.microsoft.com/sharepoint/v3" xsi:nil="true"/>
-  </documentManagement>
-</p:properties>
 </file>
 
 <file path=customXml/item3.xml><?xml version="1.0" encoding="utf-8"?>
@@ -8112,19 +8148,19 @@
 </file>
 
 <file path=customXml/itemProps1.xml><?xml version="1.0" encoding="utf-8"?>
-<ds:datastoreItem xmlns:ds="http://schemas.openxmlformats.org/officeDocument/2006/customXml" ds:itemID="{07AA66D3-A468-4FD2-B192-9E6BD79914F3}">
+<ds:datastoreItem xmlns:ds="http://schemas.openxmlformats.org/officeDocument/2006/customXml" ds:itemID="{92329657-48FE-49A3-A424-7C5B871C3595}">
   <ds:schemaRefs>
-    <ds:schemaRef ds:uri="http://schemas.microsoft.com/sharepoint/v3/contenttype/forms"/>
+    <ds:schemaRef ds:uri="http://schemas.microsoft.com/office/2006/metadata/properties"/>
+    <ds:schemaRef ds:uri="http://schemas.microsoft.com/office/infopath/2007/PartnerControls"/>
+    <ds:schemaRef ds:uri="http://schemas.microsoft.com/sharepoint/v3"/>
   </ds:schemaRefs>
 </ds:datastoreItem>
 </file>
 
 <file path=customXml/itemProps2.xml><?xml version="1.0" encoding="utf-8"?>
-<ds:datastoreItem xmlns:ds="http://schemas.openxmlformats.org/officeDocument/2006/customXml" ds:itemID="{92329657-48FE-49A3-A424-7C5B871C3595}">
+<ds:datastoreItem xmlns:ds="http://schemas.openxmlformats.org/officeDocument/2006/customXml" ds:itemID="{07AA66D3-A468-4FD2-B192-9E6BD79914F3}">
   <ds:schemaRefs>
-    <ds:schemaRef ds:uri="http://schemas.microsoft.com/office/2006/metadata/properties"/>
-    <ds:schemaRef ds:uri="http://schemas.microsoft.com/office/infopath/2007/PartnerControls"/>
-    <ds:schemaRef ds:uri="http://schemas.microsoft.com/sharepoint/v3"/>
+    <ds:schemaRef ds:uri="http://schemas.microsoft.com/sharepoint/v3/contenttype/forms"/>
   </ds:schemaRefs>
 </ds:datastoreItem>
 </file>
